--- a/meetings-ietf/ietf-116-interim/slides-116-interim-alto-transport.pptx
+++ b/meetings-ietf/ietf-116-interim/slides-116-interim-alto-transport.pptx
@@ -29,7 +29,7 @@
     <p:sldId id="676" r:id="rId17"/>
     <p:sldId id="677" r:id="rId18"/>
     <p:sldId id="678" r:id="rId19"/>
-    <p:sldId id="679" r:id="rId20"/>
+    <p:sldId id="702" r:id="rId20"/>
     <p:sldId id="680" r:id="rId21"/>
     <p:sldId id="682" r:id="rId22"/>
     <p:sldId id="684" r:id="rId23"/>
@@ -657,10 +657,10 @@
           </a:ln>
           <a:extLst>
             <a:ext uri="{FAA26D3D-D897-4be2-8F04-BA451C77F1D7}">
-              <ma14:placeholderFlag xmlns="" xmlns:ma14="http://schemas.microsoft.com/office/mac/drawingml/2011/main" val="1"/>
+              <ma14:placeholderFlag xmlns:ma14="http://schemas.microsoft.com/office/mac/drawingml/2011/main" xmlns="" val="1"/>
             </a:ext>
             <a:ext uri="{909E8E84-426E-40dd-AFC4-6F175D3DCCD1}">
-              <a14:hiddenFill xmlns:a14="http://schemas.microsoft.com/office/drawing/2010/main" xmlns="">
+              <a14:hiddenFill xmlns="" xmlns:a14="http://schemas.microsoft.com/office/drawing/2010/main">
                 <a:solidFill>
                   <a:srgbClr val="FFFFFF"/>
                 </a:solidFill>
@@ -3009,17 +3009,17 @@
           </a:ln>
           <a:extLst>
             <a:ext uri="{FAA26D3D-D897-4be2-8F04-BA451C77F1D7}">
-              <ma14:placeholderFlag xmlns="" xmlns:ma14="http://schemas.microsoft.com/office/mac/drawingml/2011/main" val="1"/>
+              <ma14:placeholderFlag xmlns:ma14="http://schemas.microsoft.com/office/mac/drawingml/2011/main" xmlns="" val="1"/>
             </a:ext>
             <a:ext uri="{909E8E84-426E-40dd-AFC4-6F175D3DCCD1}">
-              <a14:hiddenFill xmlns:a14="http://schemas.microsoft.com/office/drawing/2010/main" xmlns="">
+              <a14:hiddenFill xmlns="" xmlns:a14="http://schemas.microsoft.com/office/drawing/2010/main">
                 <a:solidFill>
                   <a:srgbClr val="FFFFFF"/>
                 </a:solidFill>
               </a14:hiddenFill>
             </a:ext>
             <a:ext uri="{91240B29-F687-4f45-9708-019B960494DF}">
-              <a14:hiddenLine xmlns:a14="http://schemas.microsoft.com/office/drawing/2010/main" xmlns="" w="9525">
+              <a14:hiddenLine xmlns="" xmlns:a14="http://schemas.microsoft.com/office/drawing/2010/main" w="9525">
                 <a:solidFill>
                   <a:srgbClr val="000000"/>
                 </a:solidFill>
@@ -3101,7 +3101,7 @@
           </a:ln>
           <a:extLst>
             <a:ext uri="{909E8E84-426E-40dd-AFC4-6F175D3DCCD1}">
-              <a14:hiddenFill xmlns:a14="http://schemas.microsoft.com/office/drawing/2010/main" xmlns="">
+              <a14:hiddenFill xmlns="" xmlns:a14="http://schemas.microsoft.com/office/drawing/2010/main">
                 <a:noFill/>
               </a14:hiddenFill>
             </a:ext>
@@ -7086,8 +7086,17 @@
           <a:p>
             <a:r>
               <a:rPr lang="en-US" dirty="0"/>
-              <a:t>TIPS data transfers</a:t>
-            </a:r>
+              <a:t>TIPS data transfers – client pull</a:t>
+            </a:r>
+          </a:p>
+          <a:p>
+            <a:r>
+              <a:rPr lang="en-US" dirty="0"/>
+              <a:t>TIPS data transfers – server push</a:t>
+            </a:r>
+          </a:p>
+          <a:p>
+            <a:endParaRPr lang="en-US" dirty="0"/>
           </a:p>
         </p:txBody>
       </p:sp>
@@ -7245,7 +7254,7 @@
         <p:spPr>
           <a:xfrm>
             <a:off x="5306297" y="990600"/>
-            <a:ext cx="6785338" cy="5355312"/>
+            <a:ext cx="6785338" cy="6186309"/>
           </a:xfrm>
           <a:prstGeom prst="rect">
             <a:avLst/>
@@ -7450,11 +7459,47 @@
             </a:r>
             <a:r>
               <a:rPr lang="en-US" sz="1800" baseline="0" dirty="0" err="1"/>
-              <a:t>hopcount</a:t>
+              <a:t>routingcost</a:t>
             </a:r>
             <a:r>
               <a:rPr lang="en-US" sz="1800" baseline="0" dirty="0"/>
               <a:t>-map": "application/</a:t>
+            </a:r>
+            <a:r>
+              <a:rPr lang="en-US" sz="1800" baseline="0" dirty="0" err="1"/>
+              <a:t>json-patch+json</a:t>
+            </a:r>
+            <a:r>
+              <a:rPr lang="en-US" sz="1800" baseline="0" dirty="0"/>
+              <a:t>",</a:t>
+            </a:r>
+          </a:p>
+          <a:p>
+            <a:r>
+              <a:rPr lang="en-US" sz="1800" baseline="0" dirty="0"/>
+              <a:t>             "my-</a:t>
+            </a:r>
+            <a:r>
+              <a:rPr lang="en-US" sz="1800" baseline="0" dirty="0" err="1"/>
+              <a:t>hopcount</a:t>
+            </a:r>
+            <a:r>
+              <a:rPr lang="en-US" sz="1800" baseline="0" dirty="0"/>
+              <a:t>-map": "application/</a:t>
+            </a:r>
+            <a:r>
+              <a:rPr lang="en-US" sz="1800" baseline="0" dirty="0" err="1"/>
+              <a:t>merge-patch+json</a:t>
+            </a:r>
+            <a:r>
+              <a:rPr lang="en-US" sz="1800" baseline="0" dirty="0"/>
+              <a:t>”</a:t>
+            </a:r>
+          </a:p>
+          <a:p>
+            <a:r>
+              <a:rPr lang="en-US" sz="1800" baseline="0" dirty="0"/>
+              <a:t>             "my-simple-filtered-cost-map": "application/</a:t>
             </a:r>
             <a:r>
               <a:rPr lang="en-US" sz="1800" baseline="0" dirty="0" err="1"/>
@@ -7945,8 +7990,8 @@
         </p:nvSpPr>
         <p:spPr>
           <a:xfrm>
-            <a:off x="69275" y="1106076"/>
-            <a:ext cx="5531828" cy="4770537"/>
+            <a:off x="131292" y="417305"/>
+            <a:ext cx="5531828" cy="6247864"/>
           </a:xfrm>
           <a:prstGeom prst="rect">
             <a:avLst/>
@@ -8119,6 +8164,12 @@
           <a:p>
             <a:r>
               <a:rPr lang="en-US" sz="1600" baseline="0" dirty="0"/>
+              <a:t>    [Hint                        hint;]</a:t>
+            </a:r>
+          </a:p>
+          <a:p>
+            <a:r>
+              <a:rPr lang="en-US" sz="1600" baseline="0" dirty="0"/>
               <a:t>} </a:t>
             </a:r>
             <a:r>
@@ -8142,7 +8193,7 @@
           <a:p>
             <a:r>
               <a:rPr lang="en-US" sz="1600" baseline="0" dirty="0"/>
-              <a:t>    Boolean                server-push;</a:t>
+              <a:t>    Boolean                 server-push;</a:t>
             </a:r>
           </a:p>
           <a:p>
@@ -8179,6 +8230,51 @@
             <a:r>
               <a:rPr lang="en-US" sz="1600" baseline="0" dirty="0"/>
               <a:t>;</a:t>
+            </a:r>
+          </a:p>
+          <a:p>
+            <a:br>
+              <a:rPr lang="en-US" sz="1600" baseline="0" dirty="0"/>
+            </a:br>
+            <a:r>
+              <a:rPr lang="en-US" sz="1600" baseline="0" dirty="0"/>
+              <a:t>object {</a:t>
+            </a:r>
+          </a:p>
+          <a:p>
+            <a:r>
+              <a:rPr lang="en-US" sz="1600" baseline="0" dirty="0"/>
+              <a:t>  </a:t>
+            </a:r>
+            <a:r>
+              <a:rPr lang="en-US" sz="1600" baseline="0" dirty="0" err="1"/>
+              <a:t>JSONNumber</a:t>
+            </a:r>
+            <a:r>
+              <a:rPr lang="en-US" sz="1600" baseline="0" dirty="0"/>
+              <a:t>           start-fetch; </a:t>
+            </a:r>
+            <a:br>
+              <a:rPr lang="en-US" sz="1600" baseline="0" dirty="0"/>
+            </a:br>
+            <a:r>
+              <a:rPr lang="en-US" sz="1600" baseline="0" dirty="0"/>
+              <a:t>  </a:t>
+            </a:r>
+            <a:r>
+              <a:rPr lang="en-US" sz="1600" baseline="0" dirty="0" err="1"/>
+              <a:t>JSONNumber</a:t>
+            </a:r>
+            <a:r>
+              <a:rPr lang="en-US" sz="1600" baseline="0" dirty="0"/>
+              <a:t>           end-fetch;</a:t>
+            </a:r>
+            <a:br>
+              <a:rPr lang="en-US" sz="1600" baseline="0" dirty="0"/>
+            </a:br>
+            <a:r>
+              <a:rPr lang="en-US" sz="1600" baseline="0" dirty="0"/>
+              <a:t>}</a:t>
             </a:r>
           </a:p>
         </p:txBody>
@@ -8425,12 +8521,19 @@
               <a:t>server does not keep state (that it selects 105), unless server push</a:t>
             </a:r>
           </a:p>
+          <a:p>
+            <a:pPr lvl="1"/>
+            <a:r>
+              <a:rPr lang="en-US" dirty="0"/>
+              <a:t>Mention: HINT</a:t>
+            </a:r>
+          </a:p>
         </p:txBody>
       </p:sp>
     </p:spTree>
     <p:extLst>
       <p:ext uri="{BB962C8B-B14F-4D97-AF65-F5344CB8AC3E}">
-        <p14:creationId xmlns:p14="http://schemas.microsoft.com/office/powerpoint/2010/main" val="859595164"/>
+        <p14:creationId xmlns:p14="http://schemas.microsoft.com/office/powerpoint/2010/main" val="3424974402"/>
       </p:ext>
     </p:extLst>
   </p:cSld>
@@ -8619,7 +8722,7 @@
             <a:pPr lvl="1"/>
             <a:r>
               <a:rPr lang="en-US" dirty="0"/>
-              <a:t>DELETE &lt;transport-state-view-root&gt;</a:t>
+              <a:t>DELETE &lt;tips-view-root&gt;</a:t>
             </a:r>
           </a:p>
           <a:p>
@@ -8769,7 +8872,21 @@
             <a:pPr lvl="2"/>
             <a:r>
               <a:rPr lang="en-US" dirty="0"/>
-              <a:t>TIPS directory/metadata</a:t>
+              <a:t>TIPS metadata/directory</a:t>
+            </a:r>
+          </a:p>
+          <a:p>
+            <a:pPr lvl="2"/>
+            <a:r>
+              <a:rPr lang="en-US" dirty="0"/>
+              <a:t>TIPS data transfers – client pull</a:t>
+            </a:r>
+          </a:p>
+          <a:p>
+            <a:pPr lvl="2"/>
+            <a:r>
+              <a:rPr lang="en-US" dirty="0"/>
+              <a:t>TIPS data transfers – server push</a:t>
             </a:r>
           </a:p>
         </p:txBody>
@@ -8915,17 +9032,17 @@
           </a:ln>
           <a:extLst>
             <a:ext uri="{FAA26D3D-D897-4be2-8F04-BA451C77F1D7}">
-              <ma14:placeholderFlag xmlns="" xmlns:ma14="http://schemas.microsoft.com/office/mac/drawingml/2011/main" val="1"/>
+              <ma14:placeholderFlag xmlns:ma14="http://schemas.microsoft.com/office/mac/drawingml/2011/main" xmlns="" val="1"/>
             </a:ext>
             <a:ext uri="{909E8E84-426E-40dd-AFC4-6F175D3DCCD1}">
-              <a14:hiddenFill xmlns:a14="http://schemas.microsoft.com/office/drawing/2010/main" xmlns="">
+              <a14:hiddenFill xmlns="" xmlns:a14="http://schemas.microsoft.com/office/drawing/2010/main">
                 <a:solidFill>
                   <a:srgbClr val="FFFFFF"/>
                 </a:solidFill>
               </a14:hiddenFill>
             </a:ext>
             <a:ext uri="{91240B29-F687-4f45-9708-019B960494DF}">
-              <a14:hiddenLine xmlns:a14="http://schemas.microsoft.com/office/drawing/2010/main" xmlns="" w="9525">
+              <a14:hiddenLine xmlns="" xmlns:a14="http://schemas.microsoft.com/office/drawing/2010/main" w="9525">
                 <a:solidFill>
                   <a:srgbClr val="000000"/>
                 </a:solidFill>
@@ -9681,17 +9798,17 @@
           </a:ln>
           <a:extLst>
             <a:ext uri="{FAA26D3D-D897-4be2-8F04-BA451C77F1D7}">
-              <ma14:placeholderFlag xmlns="" xmlns:ma14="http://schemas.microsoft.com/office/mac/drawingml/2011/main" val="1"/>
+              <ma14:placeholderFlag xmlns:ma14="http://schemas.microsoft.com/office/mac/drawingml/2011/main" xmlns="" val="1"/>
             </a:ext>
             <a:ext uri="{909E8E84-426E-40dd-AFC4-6F175D3DCCD1}">
-              <a14:hiddenFill xmlns:a14="http://schemas.microsoft.com/office/drawing/2010/main" xmlns="">
+              <a14:hiddenFill xmlns="" xmlns:a14="http://schemas.microsoft.com/office/drawing/2010/main">
                 <a:solidFill>
                   <a:srgbClr val="FFFFFF"/>
                 </a:solidFill>
               </a14:hiddenFill>
             </a:ext>
             <a:ext uri="{91240B29-F687-4f45-9708-019B960494DF}">
-              <a14:hiddenLine xmlns:a14="http://schemas.microsoft.com/office/drawing/2010/main" xmlns="" w="9525">
+              <a14:hiddenLine xmlns="" xmlns:a14="http://schemas.microsoft.com/office/drawing/2010/main" w="9525">
                 <a:solidFill>
                   <a:srgbClr val="000000"/>
                 </a:solidFill>
@@ -10291,7 +10408,15 @@
             </a:pPr>
             <a:r>
               <a:rPr lang="en-US" sz="2000" baseline="0" dirty="0"/>
-              <a:t>Continuity: ns -&gt; ne, anything in between ns and ne also exists, where ns is start-</a:t>
+              <a:t>Continuity: ns -&gt; ne, anything in between ns and ne also exists (implies </a:t>
+            </a:r>
+            <a:r>
+              <a:rPr lang="en-US" sz="2000" baseline="0" dirty="0" err="1"/>
+              <a:t>ni</a:t>
+            </a:r>
+            <a:r>
+              <a:rPr lang="en-US" sz="2000" baseline="0" dirty="0"/>
+              <a:t>-&gt;ni+1 patch exists), where ns is start-</a:t>
             </a:r>
             <a:r>
               <a:rPr lang="en-US" sz="2000" baseline="0" dirty="0" err="1"/>
@@ -10631,17 +10756,17 @@
           </a:ln>
           <a:extLst>
             <a:ext uri="{FAA26D3D-D897-4be2-8F04-BA451C77F1D7}">
-              <ma14:placeholderFlag xmlns="" xmlns:ma14="http://schemas.microsoft.com/office/mac/drawingml/2011/main" val="1"/>
+              <ma14:placeholderFlag xmlns:ma14="http://schemas.microsoft.com/office/mac/drawingml/2011/main" xmlns="" val="1"/>
             </a:ext>
             <a:ext uri="{909E8E84-426E-40dd-AFC4-6F175D3DCCD1}">
-              <a14:hiddenFill xmlns:a14="http://schemas.microsoft.com/office/drawing/2010/main" xmlns="">
+              <a14:hiddenFill xmlns="" xmlns:a14="http://schemas.microsoft.com/office/drawing/2010/main">
                 <a:solidFill>
                   <a:srgbClr val="FFFFFF"/>
                 </a:solidFill>
               </a14:hiddenFill>
             </a:ext>
             <a:ext uri="{91240B29-F687-4f45-9708-019B960494DF}">
-              <a14:hiddenLine xmlns:a14="http://schemas.microsoft.com/office/drawing/2010/main" xmlns="" w="9525">
+              <a14:hiddenLine xmlns="" xmlns:a14="http://schemas.microsoft.com/office/drawing/2010/main" w="9525">
                 <a:solidFill>
                   <a:srgbClr val="000000"/>
                 </a:solidFill>
